--- a/inst/shiny-examples/ContDataQC/rmd/Files_From_Jen/2c_FormattingFiles_v1_20210617/2c_subtab_Figure_HOBOreformat_v1_20210617.pptx
+++ b/inst/shiny-examples/ContDataQC/rmd/Files_From_Jen/2c_FormattingFiles_v1_20210617/2c_subtab_Figure_HOBOreformat_v1_20210617.pptx
@@ -112,6 +112,14 @@
 </p:presentation>
 </file>
 
+<file path=ppt/revisionInfo.xml><?xml version="1.0" encoding="utf-8"?>
+<p1510:revInfo xmlns:a="http://schemas.openxmlformats.org/drawingml/2006/main" xmlns:r="http://schemas.openxmlformats.org/officeDocument/2006/relationships" xmlns:p1510="http://schemas.microsoft.com/office/powerpoint/2015/10/main">
+  <p1510:revLst>
+    <p1510:client id="{A573CE84-E08A-431E-B0E4-05C18FDC3935}" v="1" dt="2021-06-17T14:26:41.433"/>
+  </p1510:revLst>
+</p1510:revInfo>
+</file>
+
 <file path=ppt/slideLayouts/slideLayout1.xml><?xml version="1.0" encoding="utf-8"?>
 <p:sldLayout xmlns:a="http://schemas.openxmlformats.org/drawingml/2006/main" xmlns:r="http://schemas.openxmlformats.org/officeDocument/2006/relationships" xmlns:p="http://schemas.openxmlformats.org/presentationml/2006/main" type="title" preserve="1">
   <p:cSld name="Title Slide">
@@ -259,7 +267,7 @@
           <a:p>
             <a:fld id="{66362725-5005-493E-BCC2-C2C6C184DC41}" type="datetimeFigureOut">
               <a:rPr lang="en-US" smtClean="0"/>
-              <a:t>2021-06-17</a:t>
+              <a:t>6/17/2021</a:t>
             </a:fld>
             <a:endParaRPr lang="en-US"/>
           </a:p>
@@ -457,7 +465,7 @@
           <a:p>
             <a:fld id="{66362725-5005-493E-BCC2-C2C6C184DC41}" type="datetimeFigureOut">
               <a:rPr lang="en-US" smtClean="0"/>
-              <a:t>2021-06-17</a:t>
+              <a:t>6/17/2021</a:t>
             </a:fld>
             <a:endParaRPr lang="en-US"/>
           </a:p>
@@ -665,7 +673,7 @@
           <a:p>
             <a:fld id="{66362725-5005-493E-BCC2-C2C6C184DC41}" type="datetimeFigureOut">
               <a:rPr lang="en-US" smtClean="0"/>
-              <a:t>2021-06-17</a:t>
+              <a:t>6/17/2021</a:t>
             </a:fld>
             <a:endParaRPr lang="en-US"/>
           </a:p>
@@ -863,7 +871,7 @@
           <a:p>
             <a:fld id="{66362725-5005-493E-BCC2-C2C6C184DC41}" type="datetimeFigureOut">
               <a:rPr lang="en-US" smtClean="0"/>
-              <a:t>2021-06-17</a:t>
+              <a:t>6/17/2021</a:t>
             </a:fld>
             <a:endParaRPr lang="en-US"/>
           </a:p>
@@ -1138,7 +1146,7 @@
           <a:p>
             <a:fld id="{66362725-5005-493E-BCC2-C2C6C184DC41}" type="datetimeFigureOut">
               <a:rPr lang="en-US" smtClean="0"/>
-              <a:t>2021-06-17</a:t>
+              <a:t>6/17/2021</a:t>
             </a:fld>
             <a:endParaRPr lang="en-US"/>
           </a:p>
@@ -1403,7 +1411,7 @@
           <a:p>
             <a:fld id="{66362725-5005-493E-BCC2-C2C6C184DC41}" type="datetimeFigureOut">
               <a:rPr lang="en-US" smtClean="0"/>
-              <a:t>2021-06-17</a:t>
+              <a:t>6/17/2021</a:t>
             </a:fld>
             <a:endParaRPr lang="en-US"/>
           </a:p>
@@ -1815,7 +1823,7 @@
           <a:p>
             <a:fld id="{66362725-5005-493E-BCC2-C2C6C184DC41}" type="datetimeFigureOut">
               <a:rPr lang="en-US" smtClean="0"/>
-              <a:t>2021-06-17</a:t>
+              <a:t>6/17/2021</a:t>
             </a:fld>
             <a:endParaRPr lang="en-US"/>
           </a:p>
@@ -1956,7 +1964,7 @@
           <a:p>
             <a:fld id="{66362725-5005-493E-BCC2-C2C6C184DC41}" type="datetimeFigureOut">
               <a:rPr lang="en-US" smtClean="0"/>
-              <a:t>2021-06-17</a:t>
+              <a:t>6/17/2021</a:t>
             </a:fld>
             <a:endParaRPr lang="en-US"/>
           </a:p>
@@ -2069,7 +2077,7 @@
           <a:p>
             <a:fld id="{66362725-5005-493E-BCC2-C2C6C184DC41}" type="datetimeFigureOut">
               <a:rPr lang="en-US" smtClean="0"/>
-              <a:t>2021-06-17</a:t>
+              <a:t>6/17/2021</a:t>
             </a:fld>
             <a:endParaRPr lang="en-US"/>
           </a:p>
@@ -2380,7 +2388,7 @@
           <a:p>
             <a:fld id="{66362725-5005-493E-BCC2-C2C6C184DC41}" type="datetimeFigureOut">
               <a:rPr lang="en-US" smtClean="0"/>
-              <a:t>2021-06-17</a:t>
+              <a:t>6/17/2021</a:t>
             </a:fld>
             <a:endParaRPr lang="en-US"/>
           </a:p>
@@ -2668,7 +2676,7 @@
           <a:p>
             <a:fld id="{66362725-5005-493E-BCC2-C2C6C184DC41}" type="datetimeFigureOut">
               <a:rPr lang="en-US" smtClean="0"/>
-              <a:t>2021-06-17</a:t>
+              <a:t>6/17/2021</a:t>
             </a:fld>
             <a:endParaRPr lang="en-US"/>
           </a:p>
@@ -2909,7 +2917,7 @@
           <a:p>
             <a:fld id="{66362725-5005-493E-BCC2-C2C6C184DC41}" type="datetimeFigureOut">
               <a:rPr lang="en-US" smtClean="0"/>
-              <a:t>2021-06-17</a:t>
+              <a:t>6/17/2021</a:t>
             </a:fld>
             <a:endParaRPr lang="en-US"/>
           </a:p>
@@ -3386,15 +3394,7 @@
             <a:pPr algn="ctr"/>
             <a:r>
               <a:rPr lang="en-US" sz="2000" b="1" dirty="0"/>
-              <a:t>Running the </a:t>
-            </a:r>
-            <a:r>
-              <a:rPr lang="en-US" sz="2000" b="1" dirty="0" err="1"/>
-              <a:t>HOBOware</a:t>
-            </a:r>
-            <a:r>
-              <a:rPr lang="en-US" sz="2000" b="1" dirty="0"/>
-              <a:t> reformat function </a:t>
+              <a:t>Running the HOBOware reformat function </a:t>
             </a:r>
           </a:p>
           <a:p>
